--- a/Chapitre_01_Correction/Cy_03_01_TD_PI_03_SysReeduc/images/Figures.pptx
+++ b/Chapitre_01_Correction/Cy_03_01_TD_PI_03_SysReeduc/images/Figures.pptx
@@ -315,7 +315,7 @@
           <a:p>
             <a:fld id="{AA309A6D-C09C-4548-B29A-6CF363A7E532}" type="datetimeFigureOut">
               <a:rPr lang="fr-FR" smtClean="0"/>
-              <a:t>28/09/2018</a:t>
+              <a:t>01/02/2024</a:t>
             </a:fld>
             <a:endParaRPr lang="fr-BE"/>
           </a:p>
@@ -480,7 +480,7 @@
           <a:p>
             <a:fld id="{AA309A6D-C09C-4548-B29A-6CF363A7E532}" type="datetimeFigureOut">
               <a:rPr lang="fr-FR" smtClean="0"/>
-              <a:t>28/09/2018</a:t>
+              <a:t>01/02/2024</a:t>
             </a:fld>
             <a:endParaRPr lang="fr-BE"/>
           </a:p>
@@ -655,7 +655,7 @@
           <a:p>
             <a:fld id="{AA309A6D-C09C-4548-B29A-6CF363A7E532}" type="datetimeFigureOut">
               <a:rPr lang="fr-FR" smtClean="0"/>
-              <a:t>28/09/2018</a:t>
+              <a:t>01/02/2024</a:t>
             </a:fld>
             <a:endParaRPr lang="fr-BE"/>
           </a:p>
@@ -820,7 +820,7 @@
           <a:p>
             <a:fld id="{AA309A6D-C09C-4548-B29A-6CF363A7E532}" type="datetimeFigureOut">
               <a:rPr lang="fr-FR" smtClean="0"/>
-              <a:t>28/09/2018</a:t>
+              <a:t>01/02/2024</a:t>
             </a:fld>
             <a:endParaRPr lang="fr-BE"/>
           </a:p>
@@ -1061,7 +1061,7 @@
           <a:p>
             <a:fld id="{AA309A6D-C09C-4548-B29A-6CF363A7E532}" type="datetimeFigureOut">
               <a:rPr lang="fr-FR" smtClean="0"/>
-              <a:t>28/09/2018</a:t>
+              <a:t>01/02/2024</a:t>
             </a:fld>
             <a:endParaRPr lang="fr-BE"/>
           </a:p>
@@ -1344,7 +1344,7 @@
           <a:p>
             <a:fld id="{AA309A6D-C09C-4548-B29A-6CF363A7E532}" type="datetimeFigureOut">
               <a:rPr lang="fr-FR" smtClean="0"/>
-              <a:t>28/09/2018</a:t>
+              <a:t>01/02/2024</a:t>
             </a:fld>
             <a:endParaRPr lang="fr-BE"/>
           </a:p>
@@ -1761,7 +1761,7 @@
           <a:p>
             <a:fld id="{AA309A6D-C09C-4548-B29A-6CF363A7E532}" type="datetimeFigureOut">
               <a:rPr lang="fr-FR" smtClean="0"/>
-              <a:t>28/09/2018</a:t>
+              <a:t>01/02/2024</a:t>
             </a:fld>
             <a:endParaRPr lang="fr-BE"/>
           </a:p>
@@ -1874,7 +1874,7 @@
           <a:p>
             <a:fld id="{AA309A6D-C09C-4548-B29A-6CF363A7E532}" type="datetimeFigureOut">
               <a:rPr lang="fr-FR" smtClean="0"/>
-              <a:t>28/09/2018</a:t>
+              <a:t>01/02/2024</a:t>
             </a:fld>
             <a:endParaRPr lang="fr-BE"/>
           </a:p>
@@ -1964,7 +1964,7 @@
           <a:p>
             <a:fld id="{AA309A6D-C09C-4548-B29A-6CF363A7E532}" type="datetimeFigureOut">
               <a:rPr lang="fr-FR" smtClean="0"/>
-              <a:t>28/09/2018</a:t>
+              <a:t>01/02/2024</a:t>
             </a:fld>
             <a:endParaRPr lang="fr-BE"/>
           </a:p>
@@ -2236,7 +2236,7 @@
           <a:p>
             <a:fld id="{AA309A6D-C09C-4548-B29A-6CF363A7E532}" type="datetimeFigureOut">
               <a:rPr lang="fr-FR" smtClean="0"/>
-              <a:t>28/09/2018</a:t>
+              <a:t>01/02/2024</a:t>
             </a:fld>
             <a:endParaRPr lang="fr-BE"/>
           </a:p>
@@ -2484,7 +2484,7 @@
           <a:p>
             <a:fld id="{AA309A6D-C09C-4548-B29A-6CF363A7E532}" type="datetimeFigureOut">
               <a:rPr lang="fr-FR" smtClean="0"/>
-              <a:t>28/09/2018</a:t>
+              <a:t>01/02/2024</a:t>
             </a:fld>
             <a:endParaRPr lang="fr-BE"/>
           </a:p>
@@ -2692,7 +2692,7 @@
           <a:p>
             <a:fld id="{AA309A6D-C09C-4548-B29A-6CF363A7E532}" type="datetimeFigureOut">
               <a:rPr lang="fr-FR" smtClean="0"/>
-              <a:t>28/09/2018</a:t>
+              <a:t>01/02/2024</a:t>
             </a:fld>
             <a:endParaRPr lang="fr-BE"/>
           </a:p>
@@ -3465,8 +3465,8 @@
           </a:fontRef>
         </p:style>
       </p:cxnSp>
-      <mc:AlternateContent xmlns:mc="http://schemas.openxmlformats.org/markup-compatibility/2006">
-        <mc:Choice xmlns:a14="http://schemas.microsoft.com/office/drawing/2010/main" Requires="a14">
+      <mc:AlternateContent xmlns:mc="http://schemas.openxmlformats.org/markup-compatibility/2006" xmlns:a14="http://schemas.microsoft.com/office/drawing/2010/main">
+        <mc:Choice Requires="a14">
           <p:sp>
             <p:nvSpPr>
               <p:cNvPr id="29" name="ZoneTexte 28">
@@ -3495,6 +3495,7 @@
               </a:bodyPr>
               <a:lstStyle/>
               <a:p>
+                <a:pPr/>
                 <a14:m>
                   <m:oMathPara xmlns:m="http://schemas.openxmlformats.org/officeDocument/2006/math">
                     <m:oMathParaPr>
@@ -3552,7 +3553,7 @@
             </p:txBody>
           </p:sp>
         </mc:Choice>
-        <mc:Fallback>
+        <mc:Fallback xmlns="">
           <p:sp>
             <p:nvSpPr>
               <p:cNvPr id="29" name="ZoneTexte 28">
@@ -3597,8 +3598,8 @@
           </p:sp>
         </mc:Fallback>
       </mc:AlternateContent>
-      <mc:AlternateContent xmlns:mc="http://schemas.openxmlformats.org/markup-compatibility/2006">
-        <mc:Choice xmlns:a14="http://schemas.microsoft.com/office/drawing/2010/main" Requires="a14">
+      <mc:AlternateContent xmlns:mc="http://schemas.openxmlformats.org/markup-compatibility/2006" xmlns:a14="http://schemas.microsoft.com/office/drawing/2010/main">
+        <mc:Choice Requires="a14">
           <p:sp>
             <p:nvSpPr>
               <p:cNvPr id="30" name="ZoneTexte 29">
@@ -3627,6 +3628,7 @@
               </a:bodyPr>
               <a:lstStyle/>
               <a:p>
+                <a:pPr/>
                 <a14:m>
                   <m:oMathPara xmlns:m="http://schemas.openxmlformats.org/officeDocument/2006/math">
                     <m:oMathParaPr>
@@ -3683,7 +3685,7 @@
             </p:txBody>
           </p:sp>
         </mc:Choice>
-        <mc:Fallback>
+        <mc:Fallback xmlns="">
           <p:sp>
             <p:nvSpPr>
               <p:cNvPr id="30" name="ZoneTexte 29">
@@ -9586,8 +9588,8 @@
         </p:nvCxnSpPr>
         <p:spPr>
           <a:xfrm flipH="1">
-            <a:off x="5760132" y="3438792"/>
-            <a:ext cx="1" cy="614153"/>
+            <a:off x="6552219" y="3438791"/>
+            <a:ext cx="1" cy="648000"/>
           </a:xfrm>
           <a:prstGeom prst="line">
             <a:avLst/>
@@ -9912,8 +9914,8 @@
           </p:sp>
         </mc:Fallback>
       </mc:AlternateContent>
-      <mc:AlternateContent xmlns:mc="http://schemas.openxmlformats.org/markup-compatibility/2006" xmlns:a14="http://schemas.microsoft.com/office/drawing/2010/main">
-        <mc:Choice Requires="a14">
+      <mc:AlternateContent xmlns:mc="http://schemas.openxmlformats.org/markup-compatibility/2006">
+        <mc:Choice xmlns:a14="http://schemas.microsoft.com/office/drawing/2010/main" Requires="a14">
           <p:sp>
             <p:nvSpPr>
               <p:cNvPr id="37" name="Rectangle 36">
@@ -9928,7 +9930,7 @@
             </p:nvSpPr>
             <p:spPr>
               <a:xfrm>
-                <a:off x="874485" y="3066194"/>
+                <a:off x="827584" y="3066194"/>
                 <a:ext cx="595356" cy="276999"/>
               </a:xfrm>
               <a:prstGeom prst="rect">
@@ -9999,7 +10001,7 @@
             </p:txBody>
           </p:sp>
         </mc:Choice>
-        <mc:Fallback xmlns="">
+        <mc:Fallback>
           <p:sp>
             <p:nvSpPr>
               <p:cNvPr id="37" name="Rectangle 36">
@@ -10016,7 +10018,7 @@
             </p:nvSpPr>
             <p:spPr>
               <a:xfrm>
-                <a:off x="874485" y="3066194"/>
+                <a:off x="827584" y="3066194"/>
                 <a:ext cx="595356" cy="276999"/>
               </a:xfrm>
               <a:prstGeom prst="rect">
@@ -11175,14 +11177,13 @@
           </p:cNvPr>
           <p:cNvCxnSpPr>
             <a:cxnSpLocks/>
-            <a:endCxn id="42" idx="3"/>
           </p:cNvCxnSpPr>
           <p:nvPr/>
         </p:nvCxnSpPr>
         <p:spPr>
           <a:xfrm flipH="1">
-            <a:off x="5100675" y="4052945"/>
-            <a:ext cx="659457" cy="0"/>
+            <a:off x="5100675" y="4077072"/>
+            <a:ext cx="1451544" cy="0"/>
           </a:xfrm>
           <a:prstGeom prst="line">
             <a:avLst/>
